--- a/REST easy/REST easy.pptx
+++ b/REST easy/REST easy.pptx
@@ -233,7 +233,7 @@
           <a:p>
             <a:fld id="{BA11CBBD-FCCC-4341-9A07-9341F6C54581}" type="datetimeFigureOut">
               <a:rPr lang="en-US" smtClean="0"/>
-              <a:t>12/4/2014</a:t>
+              <a:t>5/29/2015</a:t>
             </a:fld>
             <a:endParaRPr lang="en-US"/>
           </a:p>
@@ -893,7 +893,7 @@
           <a:p>
             <a:fld id="{A2B0D24E-6441-4C34-9150-7D417DBEA707}" type="datetimeFigureOut">
               <a:rPr lang="en-US" smtClean="0"/>
-              <a:t>12/4/2014</a:t>
+              <a:t>5/29/2015</a:t>
             </a:fld>
             <a:endParaRPr lang="en-US"/>
           </a:p>
@@ -1063,7 +1063,7 @@
           <a:p>
             <a:fld id="{A2B0D24E-6441-4C34-9150-7D417DBEA707}" type="datetimeFigureOut">
               <a:rPr lang="en-US" smtClean="0"/>
-              <a:t>12/4/2014</a:t>
+              <a:t>5/29/2015</a:t>
             </a:fld>
             <a:endParaRPr lang="en-US"/>
           </a:p>
@@ -1243,7 +1243,7 @@
           <a:p>
             <a:fld id="{A2B0D24E-6441-4C34-9150-7D417DBEA707}" type="datetimeFigureOut">
               <a:rPr lang="en-US" smtClean="0"/>
-              <a:t>12/4/2014</a:t>
+              <a:t>5/29/2015</a:t>
             </a:fld>
             <a:endParaRPr lang="en-US"/>
           </a:p>
@@ -1413,7 +1413,7 @@
           <a:p>
             <a:fld id="{A2B0D24E-6441-4C34-9150-7D417DBEA707}" type="datetimeFigureOut">
               <a:rPr lang="en-US" smtClean="0"/>
-              <a:t>12/4/2014</a:t>
+              <a:t>5/29/2015</a:t>
             </a:fld>
             <a:endParaRPr lang="en-US"/>
           </a:p>
@@ -1659,7 +1659,7 @@
           <a:p>
             <a:fld id="{A2B0D24E-6441-4C34-9150-7D417DBEA707}" type="datetimeFigureOut">
               <a:rPr lang="en-US" smtClean="0"/>
-              <a:t>12/4/2014</a:t>
+              <a:t>5/29/2015</a:t>
             </a:fld>
             <a:endParaRPr lang="en-US"/>
           </a:p>
@@ -1891,7 +1891,7 @@
           <a:p>
             <a:fld id="{A2B0D24E-6441-4C34-9150-7D417DBEA707}" type="datetimeFigureOut">
               <a:rPr lang="en-US" smtClean="0"/>
-              <a:t>12/4/2014</a:t>
+              <a:t>5/29/2015</a:t>
             </a:fld>
             <a:endParaRPr lang="en-US"/>
           </a:p>
@@ -2258,7 +2258,7 @@
           <a:p>
             <a:fld id="{A2B0D24E-6441-4C34-9150-7D417DBEA707}" type="datetimeFigureOut">
               <a:rPr lang="en-US" smtClean="0"/>
-              <a:t>12/4/2014</a:t>
+              <a:t>5/29/2015</a:t>
             </a:fld>
             <a:endParaRPr lang="en-US"/>
           </a:p>
@@ -2376,7 +2376,7 @@
           <a:p>
             <a:fld id="{A2B0D24E-6441-4C34-9150-7D417DBEA707}" type="datetimeFigureOut">
               <a:rPr lang="en-US" smtClean="0"/>
-              <a:t>12/4/2014</a:t>
+              <a:t>5/29/2015</a:t>
             </a:fld>
             <a:endParaRPr lang="en-US"/>
           </a:p>
@@ -2471,7 +2471,7 @@
           <a:p>
             <a:fld id="{A2B0D24E-6441-4C34-9150-7D417DBEA707}" type="datetimeFigureOut">
               <a:rPr lang="en-US" smtClean="0"/>
-              <a:t>12/4/2014</a:t>
+              <a:t>5/29/2015</a:t>
             </a:fld>
             <a:endParaRPr lang="en-US"/>
           </a:p>
@@ -2748,7 +2748,7 @@
           <a:p>
             <a:fld id="{A2B0D24E-6441-4C34-9150-7D417DBEA707}" type="datetimeFigureOut">
               <a:rPr lang="en-US" smtClean="0"/>
-              <a:t>12/4/2014</a:t>
+              <a:t>5/29/2015</a:t>
             </a:fld>
             <a:endParaRPr lang="en-US"/>
           </a:p>
@@ -3001,7 +3001,7 @@
           <a:p>
             <a:fld id="{A2B0D24E-6441-4C34-9150-7D417DBEA707}" type="datetimeFigureOut">
               <a:rPr lang="en-US" smtClean="0"/>
-              <a:t>12/4/2014</a:t>
+              <a:t>5/29/2015</a:t>
             </a:fld>
             <a:endParaRPr lang="en-US"/>
           </a:p>
@@ -3214,7 +3214,7 @@
           <a:p>
             <a:fld id="{A2B0D24E-6441-4C34-9150-7D417DBEA707}" type="datetimeFigureOut">
               <a:rPr lang="en-US" smtClean="0"/>
-              <a:t>12/4/2014</a:t>
+              <a:t>5/29/2015</a:t>
             </a:fld>
             <a:endParaRPr lang="en-US"/>
           </a:p>
